--- a/ppt 16-9/0150.奇妙圣灵能力.pptx
+++ b/ppt 16-9/0150.奇妙圣灵能力.pptx
@@ -129,7 +129,7 @@
           <p:cNvPr id="2" name="标题 1">
             <a:extLst>
               <a:ext uri="{FF2B5EF4-FFF2-40B4-BE49-F238E27FC236}">
-                <a16:creationId xmlns:a16="http://schemas.microsoft.com/office/drawing/2014/main" id="{5E6BE6C7-E460-4E39-B154-47D0229BA52D}"/>
+                <a16:creationId xmlns:a16="http://schemas.microsoft.com/office/drawing/2014/main" id="{E163D608-8218-1A92-299C-5FB445307210}"/>
               </a:ext>
             </a:extLst>
           </p:cNvPr>
@@ -166,7 +166,7 @@
           <p:cNvPr id="3" name="副标题 2">
             <a:extLst>
               <a:ext uri="{FF2B5EF4-FFF2-40B4-BE49-F238E27FC236}">
-                <a16:creationId xmlns:a16="http://schemas.microsoft.com/office/drawing/2014/main" id="{D8D24A7F-D0BF-4E7F-9A1F-BE9C8439A3A3}"/>
+                <a16:creationId xmlns:a16="http://schemas.microsoft.com/office/drawing/2014/main" id="{8E3D3F54-8D9A-A25F-8225-BC5974E53CA3}"/>
               </a:ext>
             </a:extLst>
           </p:cNvPr>
@@ -236,7 +236,7 @@
           <p:cNvPr id="4" name="日期占位符 3">
             <a:extLst>
               <a:ext uri="{FF2B5EF4-FFF2-40B4-BE49-F238E27FC236}">
-                <a16:creationId xmlns:a16="http://schemas.microsoft.com/office/drawing/2014/main" id="{3B9676A3-1993-7C31-DC53-A3D27B1E2549}"/>
+                <a16:creationId xmlns:a16="http://schemas.microsoft.com/office/drawing/2014/main" id="{37500CE1-DB80-90C9-395F-9B8774A6D7D2}"/>
               </a:ext>
             </a:extLst>
           </p:cNvPr>
@@ -252,7 +252,7 @@
           <a:bodyPr/>
           <a:lstStyle/>
           <a:p>
-            <a:fld id="{40C6A560-E8F0-4C11-B34C-01E0B0175343}" type="datetimeFigureOut">
+            <a:fld id="{A276BD11-988D-4DD5-AFC0-2DAEDF7A6C1D}" type="datetimeFigureOut">
               <a:rPr lang="zh-CN" altLang="en-US" smtClean="0"/>
               <a:t>2024/3/10</a:t>
             </a:fld>
@@ -265,7 +265,7 @@
           <p:cNvPr id="5" name="页脚占位符 4">
             <a:extLst>
               <a:ext uri="{FF2B5EF4-FFF2-40B4-BE49-F238E27FC236}">
-                <a16:creationId xmlns:a16="http://schemas.microsoft.com/office/drawing/2014/main" id="{73A6254A-FEA3-6103-7C37-1938BE8D205F}"/>
+                <a16:creationId xmlns:a16="http://schemas.microsoft.com/office/drawing/2014/main" id="{7F595C8E-59DA-F3CC-F9CD-69B75254A640}"/>
               </a:ext>
             </a:extLst>
           </p:cNvPr>
@@ -290,7 +290,7 @@
           <p:cNvPr id="6" name="灯片编号占位符 5">
             <a:extLst>
               <a:ext uri="{FF2B5EF4-FFF2-40B4-BE49-F238E27FC236}">
-                <a16:creationId xmlns:a16="http://schemas.microsoft.com/office/drawing/2014/main" id="{04BC7984-B689-F775-AC0F-0078EEF9A31C}"/>
+                <a16:creationId xmlns:a16="http://schemas.microsoft.com/office/drawing/2014/main" id="{96453601-44D8-2C91-5B17-FDAFE4ACECAE}"/>
               </a:ext>
             </a:extLst>
           </p:cNvPr>
@@ -306,7 +306,7 @@
           <a:bodyPr/>
           <a:lstStyle/>
           <a:p>
-            <a:fld id="{2164C567-8CA4-4A56-89C6-A544C132E6E7}" type="slidenum">
+            <a:fld id="{36333A6B-28F9-4F86-9E00-0ECE5C0F1F7E}" type="slidenum">
               <a:rPr lang="zh-CN" altLang="en-US" smtClean="0"/>
               <a:t>‹#›</a:t>
             </a:fld>
@@ -317,7 +317,7 @@
     </p:spTree>
     <p:extLst>
       <p:ext uri="{BB962C8B-B14F-4D97-AF65-F5344CB8AC3E}">
-        <p14:creationId xmlns:p14="http://schemas.microsoft.com/office/powerpoint/2010/main" val="3936119838"/>
+        <p14:creationId xmlns:p14="http://schemas.microsoft.com/office/powerpoint/2010/main" val="2079700950"/>
       </p:ext>
     </p:extLst>
   </p:cSld>
@@ -349,7 +349,7 @@
           <p:cNvPr id="2" name="标题 1">
             <a:extLst>
               <a:ext uri="{FF2B5EF4-FFF2-40B4-BE49-F238E27FC236}">
-                <a16:creationId xmlns:a16="http://schemas.microsoft.com/office/drawing/2014/main" id="{F58CC66D-95FD-A77F-A6CE-2932E80BA729}"/>
+                <a16:creationId xmlns:a16="http://schemas.microsoft.com/office/drawing/2014/main" id="{A1759A5F-44BE-F2D0-6CAB-45B54226A158}"/>
               </a:ext>
             </a:extLst>
           </p:cNvPr>
@@ -377,7 +377,7 @@
           <p:cNvPr id="3" name="竖排文字占位符 2">
             <a:extLst>
               <a:ext uri="{FF2B5EF4-FFF2-40B4-BE49-F238E27FC236}">
-                <a16:creationId xmlns:a16="http://schemas.microsoft.com/office/drawing/2014/main" id="{FC979D41-FA11-E9A2-9E71-8BB52465DE94}"/>
+                <a16:creationId xmlns:a16="http://schemas.microsoft.com/office/drawing/2014/main" id="{4D54DC00-3EE1-972C-25ED-A87EF4BDA129}"/>
               </a:ext>
             </a:extLst>
           </p:cNvPr>
@@ -434,7 +434,7 @@
           <p:cNvPr id="4" name="日期占位符 3">
             <a:extLst>
               <a:ext uri="{FF2B5EF4-FFF2-40B4-BE49-F238E27FC236}">
-                <a16:creationId xmlns:a16="http://schemas.microsoft.com/office/drawing/2014/main" id="{11FB5953-E65C-4B10-9BEF-47810A3BB679}"/>
+                <a16:creationId xmlns:a16="http://schemas.microsoft.com/office/drawing/2014/main" id="{E607654E-DD4A-286C-09A5-7E38266FBFA5}"/>
               </a:ext>
             </a:extLst>
           </p:cNvPr>
@@ -450,7 +450,7 @@
           <a:bodyPr/>
           <a:lstStyle/>
           <a:p>
-            <a:fld id="{40C6A560-E8F0-4C11-B34C-01E0B0175343}" type="datetimeFigureOut">
+            <a:fld id="{A276BD11-988D-4DD5-AFC0-2DAEDF7A6C1D}" type="datetimeFigureOut">
               <a:rPr lang="zh-CN" altLang="en-US" smtClean="0"/>
               <a:t>2024/3/10</a:t>
             </a:fld>
@@ -463,7 +463,7 @@
           <p:cNvPr id="5" name="页脚占位符 4">
             <a:extLst>
               <a:ext uri="{FF2B5EF4-FFF2-40B4-BE49-F238E27FC236}">
-                <a16:creationId xmlns:a16="http://schemas.microsoft.com/office/drawing/2014/main" id="{75DF3EF4-44CE-CD10-D6CF-90AB5AF3E7EA}"/>
+                <a16:creationId xmlns:a16="http://schemas.microsoft.com/office/drawing/2014/main" id="{E939A3CD-CD96-6CCA-0296-22998C0DA8D3}"/>
               </a:ext>
             </a:extLst>
           </p:cNvPr>
@@ -488,7 +488,7 @@
           <p:cNvPr id="6" name="灯片编号占位符 5">
             <a:extLst>
               <a:ext uri="{FF2B5EF4-FFF2-40B4-BE49-F238E27FC236}">
-                <a16:creationId xmlns:a16="http://schemas.microsoft.com/office/drawing/2014/main" id="{01C64228-396C-763C-0779-6689571080F4}"/>
+                <a16:creationId xmlns:a16="http://schemas.microsoft.com/office/drawing/2014/main" id="{AB376506-83BD-08A8-1659-59B79A981A44}"/>
               </a:ext>
             </a:extLst>
           </p:cNvPr>
@@ -504,7 +504,7 @@
           <a:bodyPr/>
           <a:lstStyle/>
           <a:p>
-            <a:fld id="{2164C567-8CA4-4A56-89C6-A544C132E6E7}" type="slidenum">
+            <a:fld id="{36333A6B-28F9-4F86-9E00-0ECE5C0F1F7E}" type="slidenum">
               <a:rPr lang="zh-CN" altLang="en-US" smtClean="0"/>
               <a:t>‹#›</a:t>
             </a:fld>
@@ -515,7 +515,7 @@
     </p:spTree>
     <p:extLst>
       <p:ext uri="{BB962C8B-B14F-4D97-AF65-F5344CB8AC3E}">
-        <p14:creationId xmlns:p14="http://schemas.microsoft.com/office/powerpoint/2010/main" val="2622055828"/>
+        <p14:creationId xmlns:p14="http://schemas.microsoft.com/office/powerpoint/2010/main" val="2709095160"/>
       </p:ext>
     </p:extLst>
   </p:cSld>
@@ -547,7 +547,7 @@
           <p:cNvPr id="2" name="竖排标题 1">
             <a:extLst>
               <a:ext uri="{FF2B5EF4-FFF2-40B4-BE49-F238E27FC236}">
-                <a16:creationId xmlns:a16="http://schemas.microsoft.com/office/drawing/2014/main" id="{018D1C04-02E6-02C1-C595-1B49A1D7D599}"/>
+                <a16:creationId xmlns:a16="http://schemas.microsoft.com/office/drawing/2014/main" id="{4CEBA9FB-B886-192A-4C4A-4C6B27EF1765}"/>
               </a:ext>
             </a:extLst>
           </p:cNvPr>
@@ -580,7 +580,7 @@
           <p:cNvPr id="3" name="竖排文字占位符 2">
             <a:extLst>
               <a:ext uri="{FF2B5EF4-FFF2-40B4-BE49-F238E27FC236}">
-                <a16:creationId xmlns:a16="http://schemas.microsoft.com/office/drawing/2014/main" id="{5A43FC9D-7695-807E-0081-2EECA4FD694B}"/>
+                <a16:creationId xmlns:a16="http://schemas.microsoft.com/office/drawing/2014/main" id="{6E0428F8-62F7-A172-9C75-82443F44EDC9}"/>
               </a:ext>
             </a:extLst>
           </p:cNvPr>
@@ -642,7 +642,7 @@
           <p:cNvPr id="4" name="日期占位符 3">
             <a:extLst>
               <a:ext uri="{FF2B5EF4-FFF2-40B4-BE49-F238E27FC236}">
-                <a16:creationId xmlns:a16="http://schemas.microsoft.com/office/drawing/2014/main" id="{7E5F7D5B-A4CE-9B61-2060-6979F1C413A5}"/>
+                <a16:creationId xmlns:a16="http://schemas.microsoft.com/office/drawing/2014/main" id="{1E669203-D22E-EFBD-77C9-5AEB3CC29422}"/>
               </a:ext>
             </a:extLst>
           </p:cNvPr>
@@ -658,7 +658,7 @@
           <a:bodyPr/>
           <a:lstStyle/>
           <a:p>
-            <a:fld id="{40C6A560-E8F0-4C11-B34C-01E0B0175343}" type="datetimeFigureOut">
+            <a:fld id="{A276BD11-988D-4DD5-AFC0-2DAEDF7A6C1D}" type="datetimeFigureOut">
               <a:rPr lang="zh-CN" altLang="en-US" smtClean="0"/>
               <a:t>2024/3/10</a:t>
             </a:fld>
@@ -671,7 +671,7 @@
           <p:cNvPr id="5" name="页脚占位符 4">
             <a:extLst>
               <a:ext uri="{FF2B5EF4-FFF2-40B4-BE49-F238E27FC236}">
-                <a16:creationId xmlns:a16="http://schemas.microsoft.com/office/drawing/2014/main" id="{E9937961-4483-BF9C-FB5E-D4A0B19E7E90}"/>
+                <a16:creationId xmlns:a16="http://schemas.microsoft.com/office/drawing/2014/main" id="{F3BDB2A4-1084-51EC-F4B1-C9D897094A0B}"/>
               </a:ext>
             </a:extLst>
           </p:cNvPr>
@@ -696,7 +696,7 @@
           <p:cNvPr id="6" name="灯片编号占位符 5">
             <a:extLst>
               <a:ext uri="{FF2B5EF4-FFF2-40B4-BE49-F238E27FC236}">
-                <a16:creationId xmlns:a16="http://schemas.microsoft.com/office/drawing/2014/main" id="{C7888501-9645-0758-6299-A42521AC29AE}"/>
+                <a16:creationId xmlns:a16="http://schemas.microsoft.com/office/drawing/2014/main" id="{3CA923F3-9B10-75AD-5EDF-5562D85BD7A8}"/>
               </a:ext>
             </a:extLst>
           </p:cNvPr>
@@ -712,7 +712,7 @@
           <a:bodyPr/>
           <a:lstStyle/>
           <a:p>
-            <a:fld id="{2164C567-8CA4-4A56-89C6-A544C132E6E7}" type="slidenum">
+            <a:fld id="{36333A6B-28F9-4F86-9E00-0ECE5C0F1F7E}" type="slidenum">
               <a:rPr lang="zh-CN" altLang="en-US" smtClean="0"/>
               <a:t>‹#›</a:t>
             </a:fld>
@@ -723,7 +723,7 @@
     </p:spTree>
     <p:extLst>
       <p:ext uri="{BB962C8B-B14F-4D97-AF65-F5344CB8AC3E}">
-        <p14:creationId xmlns:p14="http://schemas.microsoft.com/office/powerpoint/2010/main" val="35222073"/>
+        <p14:creationId xmlns:p14="http://schemas.microsoft.com/office/powerpoint/2010/main" val="3624183130"/>
       </p:ext>
     </p:extLst>
   </p:cSld>
@@ -755,7 +755,7 @@
           <p:cNvPr id="2" name="标题 1">
             <a:extLst>
               <a:ext uri="{FF2B5EF4-FFF2-40B4-BE49-F238E27FC236}">
-                <a16:creationId xmlns:a16="http://schemas.microsoft.com/office/drawing/2014/main" id="{7052A789-EBA5-C742-20DB-3A5A868228F6}"/>
+                <a16:creationId xmlns:a16="http://schemas.microsoft.com/office/drawing/2014/main" id="{643B8B96-39A8-83D4-A719-6375DA8162BB}"/>
               </a:ext>
             </a:extLst>
           </p:cNvPr>
@@ -783,7 +783,7 @@
           <p:cNvPr id="3" name="内容占位符 2">
             <a:extLst>
               <a:ext uri="{FF2B5EF4-FFF2-40B4-BE49-F238E27FC236}">
-                <a16:creationId xmlns:a16="http://schemas.microsoft.com/office/drawing/2014/main" id="{F20D7C9C-AA18-F405-6565-15087FFA68F4}"/>
+                <a16:creationId xmlns:a16="http://schemas.microsoft.com/office/drawing/2014/main" id="{004A643B-AAD4-505D-4C0B-FB80ED3F1030}"/>
               </a:ext>
             </a:extLst>
           </p:cNvPr>
@@ -840,7 +840,7 @@
           <p:cNvPr id="4" name="日期占位符 3">
             <a:extLst>
               <a:ext uri="{FF2B5EF4-FFF2-40B4-BE49-F238E27FC236}">
-                <a16:creationId xmlns:a16="http://schemas.microsoft.com/office/drawing/2014/main" id="{B39C87BA-C018-47BF-82F9-2E8C01240D2F}"/>
+                <a16:creationId xmlns:a16="http://schemas.microsoft.com/office/drawing/2014/main" id="{52E5922C-6F31-3447-13C4-3F41BDA38455}"/>
               </a:ext>
             </a:extLst>
           </p:cNvPr>
@@ -856,7 +856,7 @@
           <a:bodyPr/>
           <a:lstStyle/>
           <a:p>
-            <a:fld id="{40C6A560-E8F0-4C11-B34C-01E0B0175343}" type="datetimeFigureOut">
+            <a:fld id="{A276BD11-988D-4DD5-AFC0-2DAEDF7A6C1D}" type="datetimeFigureOut">
               <a:rPr lang="zh-CN" altLang="en-US" smtClean="0"/>
               <a:t>2024/3/10</a:t>
             </a:fld>
@@ -869,7 +869,7 @@
           <p:cNvPr id="5" name="页脚占位符 4">
             <a:extLst>
               <a:ext uri="{FF2B5EF4-FFF2-40B4-BE49-F238E27FC236}">
-                <a16:creationId xmlns:a16="http://schemas.microsoft.com/office/drawing/2014/main" id="{81B5070B-C15F-B199-D371-CF3A2E36E992}"/>
+                <a16:creationId xmlns:a16="http://schemas.microsoft.com/office/drawing/2014/main" id="{363BC1FE-7FBE-EE58-32D9-B0BAD092C859}"/>
               </a:ext>
             </a:extLst>
           </p:cNvPr>
@@ -894,7 +894,7 @@
           <p:cNvPr id="6" name="灯片编号占位符 5">
             <a:extLst>
               <a:ext uri="{FF2B5EF4-FFF2-40B4-BE49-F238E27FC236}">
-                <a16:creationId xmlns:a16="http://schemas.microsoft.com/office/drawing/2014/main" id="{E2BCBD2A-8D4D-F429-CB80-4C14A611E50E}"/>
+                <a16:creationId xmlns:a16="http://schemas.microsoft.com/office/drawing/2014/main" id="{52DC8EF1-A18F-7255-E83E-C3242278AD27}"/>
               </a:ext>
             </a:extLst>
           </p:cNvPr>
@@ -910,7 +910,7 @@
           <a:bodyPr/>
           <a:lstStyle/>
           <a:p>
-            <a:fld id="{2164C567-8CA4-4A56-89C6-A544C132E6E7}" type="slidenum">
+            <a:fld id="{36333A6B-28F9-4F86-9E00-0ECE5C0F1F7E}" type="slidenum">
               <a:rPr lang="zh-CN" altLang="en-US" smtClean="0"/>
               <a:t>‹#›</a:t>
             </a:fld>
@@ -921,7 +921,7 @@
     </p:spTree>
     <p:extLst>
       <p:ext uri="{BB962C8B-B14F-4D97-AF65-F5344CB8AC3E}">
-        <p14:creationId xmlns:p14="http://schemas.microsoft.com/office/powerpoint/2010/main" val="1590232154"/>
+        <p14:creationId xmlns:p14="http://schemas.microsoft.com/office/powerpoint/2010/main" val="3334971489"/>
       </p:ext>
     </p:extLst>
   </p:cSld>
@@ -953,7 +953,7 @@
           <p:cNvPr id="2" name="标题 1">
             <a:extLst>
               <a:ext uri="{FF2B5EF4-FFF2-40B4-BE49-F238E27FC236}">
-                <a16:creationId xmlns:a16="http://schemas.microsoft.com/office/drawing/2014/main" id="{F56A2206-9ADC-2FD4-8669-95A65C7EE7BF}"/>
+                <a16:creationId xmlns:a16="http://schemas.microsoft.com/office/drawing/2014/main" id="{0A6DBEC9-1B0D-9F0D-51F8-B8F9372FAE50}"/>
               </a:ext>
             </a:extLst>
           </p:cNvPr>
@@ -990,7 +990,7 @@
           <p:cNvPr id="3" name="文本占位符 2">
             <a:extLst>
               <a:ext uri="{FF2B5EF4-FFF2-40B4-BE49-F238E27FC236}">
-                <a16:creationId xmlns:a16="http://schemas.microsoft.com/office/drawing/2014/main" id="{8A6BC0A2-04E1-974A-42D1-FDB9FDF009CC}"/>
+                <a16:creationId xmlns:a16="http://schemas.microsoft.com/office/drawing/2014/main" id="{8263132A-F469-5219-E021-F216F5D3CD71}"/>
               </a:ext>
             </a:extLst>
           </p:cNvPr>
@@ -1115,7 +1115,7 @@
           <p:cNvPr id="4" name="日期占位符 3">
             <a:extLst>
               <a:ext uri="{FF2B5EF4-FFF2-40B4-BE49-F238E27FC236}">
-                <a16:creationId xmlns:a16="http://schemas.microsoft.com/office/drawing/2014/main" id="{9A69972F-35B5-3B3E-4CEB-01E6F4D4DB0B}"/>
+                <a16:creationId xmlns:a16="http://schemas.microsoft.com/office/drawing/2014/main" id="{C26002D2-0091-5ACF-ADDA-98589270940C}"/>
               </a:ext>
             </a:extLst>
           </p:cNvPr>
@@ -1131,7 +1131,7 @@
           <a:bodyPr/>
           <a:lstStyle/>
           <a:p>
-            <a:fld id="{40C6A560-E8F0-4C11-B34C-01E0B0175343}" type="datetimeFigureOut">
+            <a:fld id="{A276BD11-988D-4DD5-AFC0-2DAEDF7A6C1D}" type="datetimeFigureOut">
               <a:rPr lang="zh-CN" altLang="en-US" smtClean="0"/>
               <a:t>2024/3/10</a:t>
             </a:fld>
@@ -1144,7 +1144,7 @@
           <p:cNvPr id="5" name="页脚占位符 4">
             <a:extLst>
               <a:ext uri="{FF2B5EF4-FFF2-40B4-BE49-F238E27FC236}">
-                <a16:creationId xmlns:a16="http://schemas.microsoft.com/office/drawing/2014/main" id="{35F5240E-B1E4-A2C4-9877-35A48CD7E85E}"/>
+                <a16:creationId xmlns:a16="http://schemas.microsoft.com/office/drawing/2014/main" id="{78B1D817-4B4D-AEA8-7E0D-9B28A18F72A4}"/>
               </a:ext>
             </a:extLst>
           </p:cNvPr>
@@ -1169,7 +1169,7 @@
           <p:cNvPr id="6" name="灯片编号占位符 5">
             <a:extLst>
               <a:ext uri="{FF2B5EF4-FFF2-40B4-BE49-F238E27FC236}">
-                <a16:creationId xmlns:a16="http://schemas.microsoft.com/office/drawing/2014/main" id="{D9E31430-56B1-3CF1-64D4-16F06DF70E96}"/>
+                <a16:creationId xmlns:a16="http://schemas.microsoft.com/office/drawing/2014/main" id="{794825E4-225E-4043-2A64-0977F86C12FC}"/>
               </a:ext>
             </a:extLst>
           </p:cNvPr>
@@ -1185,7 +1185,7 @@
           <a:bodyPr/>
           <a:lstStyle/>
           <a:p>
-            <a:fld id="{2164C567-8CA4-4A56-89C6-A544C132E6E7}" type="slidenum">
+            <a:fld id="{36333A6B-28F9-4F86-9E00-0ECE5C0F1F7E}" type="slidenum">
               <a:rPr lang="zh-CN" altLang="en-US" smtClean="0"/>
               <a:t>‹#›</a:t>
             </a:fld>
@@ -1196,7 +1196,7 @@
     </p:spTree>
     <p:extLst>
       <p:ext uri="{BB962C8B-B14F-4D97-AF65-F5344CB8AC3E}">
-        <p14:creationId xmlns:p14="http://schemas.microsoft.com/office/powerpoint/2010/main" val="3023980791"/>
+        <p14:creationId xmlns:p14="http://schemas.microsoft.com/office/powerpoint/2010/main" val="550495327"/>
       </p:ext>
     </p:extLst>
   </p:cSld>
@@ -1228,7 +1228,7 @@
           <p:cNvPr id="2" name="标题 1">
             <a:extLst>
               <a:ext uri="{FF2B5EF4-FFF2-40B4-BE49-F238E27FC236}">
-                <a16:creationId xmlns:a16="http://schemas.microsoft.com/office/drawing/2014/main" id="{BA539F4F-9BC6-F2E1-0726-EDE0F1BB4F69}"/>
+                <a16:creationId xmlns:a16="http://schemas.microsoft.com/office/drawing/2014/main" id="{D9D9A1EE-B7FC-CD56-2555-CD2833A62492}"/>
               </a:ext>
             </a:extLst>
           </p:cNvPr>
@@ -1256,7 +1256,7 @@
           <p:cNvPr id="3" name="内容占位符 2">
             <a:extLst>
               <a:ext uri="{FF2B5EF4-FFF2-40B4-BE49-F238E27FC236}">
-                <a16:creationId xmlns:a16="http://schemas.microsoft.com/office/drawing/2014/main" id="{44B64EB7-8B08-5C38-8164-CBF17CC43A56}"/>
+                <a16:creationId xmlns:a16="http://schemas.microsoft.com/office/drawing/2014/main" id="{6E62C6DB-E17B-226E-EF0E-6E95895F5C01}"/>
               </a:ext>
             </a:extLst>
           </p:cNvPr>
@@ -1318,7 +1318,7 @@
           <p:cNvPr id="4" name="内容占位符 3">
             <a:extLst>
               <a:ext uri="{FF2B5EF4-FFF2-40B4-BE49-F238E27FC236}">
-                <a16:creationId xmlns:a16="http://schemas.microsoft.com/office/drawing/2014/main" id="{F012F824-7DB9-2914-6B2B-B58938811FC9}"/>
+                <a16:creationId xmlns:a16="http://schemas.microsoft.com/office/drawing/2014/main" id="{7F228C80-195D-F2ED-EBF3-9D309DCEB35B}"/>
               </a:ext>
             </a:extLst>
           </p:cNvPr>
@@ -1380,7 +1380,7 @@
           <p:cNvPr id="5" name="日期占位符 4">
             <a:extLst>
               <a:ext uri="{FF2B5EF4-FFF2-40B4-BE49-F238E27FC236}">
-                <a16:creationId xmlns:a16="http://schemas.microsoft.com/office/drawing/2014/main" id="{244FAD61-3D32-B785-FCDB-C5BACB94032E}"/>
+                <a16:creationId xmlns:a16="http://schemas.microsoft.com/office/drawing/2014/main" id="{8454040B-BCE6-407E-E893-77A6350E0052}"/>
               </a:ext>
             </a:extLst>
           </p:cNvPr>
@@ -1396,7 +1396,7 @@
           <a:bodyPr/>
           <a:lstStyle/>
           <a:p>
-            <a:fld id="{40C6A560-E8F0-4C11-B34C-01E0B0175343}" type="datetimeFigureOut">
+            <a:fld id="{A276BD11-988D-4DD5-AFC0-2DAEDF7A6C1D}" type="datetimeFigureOut">
               <a:rPr lang="zh-CN" altLang="en-US" smtClean="0"/>
               <a:t>2024/3/10</a:t>
             </a:fld>
@@ -1409,7 +1409,7 @@
           <p:cNvPr id="6" name="页脚占位符 5">
             <a:extLst>
               <a:ext uri="{FF2B5EF4-FFF2-40B4-BE49-F238E27FC236}">
-                <a16:creationId xmlns:a16="http://schemas.microsoft.com/office/drawing/2014/main" id="{5263DF97-AD42-E81E-A8D1-7FC4209E1FEC}"/>
+                <a16:creationId xmlns:a16="http://schemas.microsoft.com/office/drawing/2014/main" id="{FB5D3B25-0B45-D934-F51E-BA206B90927C}"/>
               </a:ext>
             </a:extLst>
           </p:cNvPr>
@@ -1434,7 +1434,7 @@
           <p:cNvPr id="7" name="灯片编号占位符 6">
             <a:extLst>
               <a:ext uri="{FF2B5EF4-FFF2-40B4-BE49-F238E27FC236}">
-                <a16:creationId xmlns:a16="http://schemas.microsoft.com/office/drawing/2014/main" id="{56CDD1A5-6B11-3977-AC57-C44A8FEE4A42}"/>
+                <a16:creationId xmlns:a16="http://schemas.microsoft.com/office/drawing/2014/main" id="{AB80A88B-3581-9A36-1BC7-F2A58FCE5B38}"/>
               </a:ext>
             </a:extLst>
           </p:cNvPr>
@@ -1450,7 +1450,7 @@
           <a:bodyPr/>
           <a:lstStyle/>
           <a:p>
-            <a:fld id="{2164C567-8CA4-4A56-89C6-A544C132E6E7}" type="slidenum">
+            <a:fld id="{36333A6B-28F9-4F86-9E00-0ECE5C0F1F7E}" type="slidenum">
               <a:rPr lang="zh-CN" altLang="en-US" smtClean="0"/>
               <a:t>‹#›</a:t>
             </a:fld>
@@ -1461,7 +1461,7 @@
     </p:spTree>
     <p:extLst>
       <p:ext uri="{BB962C8B-B14F-4D97-AF65-F5344CB8AC3E}">
-        <p14:creationId xmlns:p14="http://schemas.microsoft.com/office/powerpoint/2010/main" val="1033733771"/>
+        <p14:creationId xmlns:p14="http://schemas.microsoft.com/office/powerpoint/2010/main" val="1475405169"/>
       </p:ext>
     </p:extLst>
   </p:cSld>
@@ -1493,7 +1493,7 @@
           <p:cNvPr id="2" name="标题 1">
             <a:extLst>
               <a:ext uri="{FF2B5EF4-FFF2-40B4-BE49-F238E27FC236}">
-                <a16:creationId xmlns:a16="http://schemas.microsoft.com/office/drawing/2014/main" id="{29B1DEF2-6597-2566-DD22-71C3F7A8E47E}"/>
+                <a16:creationId xmlns:a16="http://schemas.microsoft.com/office/drawing/2014/main" id="{13048486-936F-E954-61D4-6A4C26386440}"/>
               </a:ext>
             </a:extLst>
           </p:cNvPr>
@@ -1526,7 +1526,7 @@
           <p:cNvPr id="3" name="文本占位符 2">
             <a:extLst>
               <a:ext uri="{FF2B5EF4-FFF2-40B4-BE49-F238E27FC236}">
-                <a16:creationId xmlns:a16="http://schemas.microsoft.com/office/drawing/2014/main" id="{65207A8E-6E7D-E4EC-1BCC-879635292305}"/>
+                <a16:creationId xmlns:a16="http://schemas.microsoft.com/office/drawing/2014/main" id="{A3074BE3-8ED0-7D3D-E9D0-55C4065CCBC6}"/>
               </a:ext>
             </a:extLst>
           </p:cNvPr>
@@ -1597,7 +1597,7 @@
           <p:cNvPr id="4" name="内容占位符 3">
             <a:extLst>
               <a:ext uri="{FF2B5EF4-FFF2-40B4-BE49-F238E27FC236}">
-                <a16:creationId xmlns:a16="http://schemas.microsoft.com/office/drawing/2014/main" id="{7A6A94D4-7383-36F3-A6F1-5AB09D7D6850}"/>
+                <a16:creationId xmlns:a16="http://schemas.microsoft.com/office/drawing/2014/main" id="{DDB6CFC4-D9DD-9F67-8A5A-82EDFBC55408}"/>
               </a:ext>
             </a:extLst>
           </p:cNvPr>
@@ -1659,7 +1659,7 @@
           <p:cNvPr id="5" name="文本占位符 4">
             <a:extLst>
               <a:ext uri="{FF2B5EF4-FFF2-40B4-BE49-F238E27FC236}">
-                <a16:creationId xmlns:a16="http://schemas.microsoft.com/office/drawing/2014/main" id="{F41BAADD-FD43-9312-EF97-06DCDE0DD00F}"/>
+                <a16:creationId xmlns:a16="http://schemas.microsoft.com/office/drawing/2014/main" id="{21C1D113-6E0C-88EA-25F6-A304F9412385}"/>
               </a:ext>
             </a:extLst>
           </p:cNvPr>
@@ -1730,7 +1730,7 @@
           <p:cNvPr id="6" name="内容占位符 5">
             <a:extLst>
               <a:ext uri="{FF2B5EF4-FFF2-40B4-BE49-F238E27FC236}">
-                <a16:creationId xmlns:a16="http://schemas.microsoft.com/office/drawing/2014/main" id="{449C5BB3-AB7C-0614-A3A8-6A08204E783D}"/>
+                <a16:creationId xmlns:a16="http://schemas.microsoft.com/office/drawing/2014/main" id="{14F711A6-87F8-859B-66C9-5D420C1EA405}"/>
               </a:ext>
             </a:extLst>
           </p:cNvPr>
@@ -1792,7 +1792,7 @@
           <p:cNvPr id="7" name="日期占位符 6">
             <a:extLst>
               <a:ext uri="{FF2B5EF4-FFF2-40B4-BE49-F238E27FC236}">
-                <a16:creationId xmlns:a16="http://schemas.microsoft.com/office/drawing/2014/main" id="{7E5BD4E6-241B-7D83-3837-F4D10BC75777}"/>
+                <a16:creationId xmlns:a16="http://schemas.microsoft.com/office/drawing/2014/main" id="{4E4AA609-4E48-D7D1-0977-A6B73346C083}"/>
               </a:ext>
             </a:extLst>
           </p:cNvPr>
@@ -1808,7 +1808,7 @@
           <a:bodyPr/>
           <a:lstStyle/>
           <a:p>
-            <a:fld id="{40C6A560-E8F0-4C11-B34C-01E0B0175343}" type="datetimeFigureOut">
+            <a:fld id="{A276BD11-988D-4DD5-AFC0-2DAEDF7A6C1D}" type="datetimeFigureOut">
               <a:rPr lang="zh-CN" altLang="en-US" smtClean="0"/>
               <a:t>2024/3/10</a:t>
             </a:fld>
@@ -1821,7 +1821,7 @@
           <p:cNvPr id="8" name="页脚占位符 7">
             <a:extLst>
               <a:ext uri="{FF2B5EF4-FFF2-40B4-BE49-F238E27FC236}">
-                <a16:creationId xmlns:a16="http://schemas.microsoft.com/office/drawing/2014/main" id="{74DF682C-3F12-7AA8-01AF-BA8F3DD5CB2E}"/>
+                <a16:creationId xmlns:a16="http://schemas.microsoft.com/office/drawing/2014/main" id="{D852E7A0-D118-E0B3-B64B-EB21BD847860}"/>
               </a:ext>
             </a:extLst>
           </p:cNvPr>
@@ -1846,7 +1846,7 @@
           <p:cNvPr id="9" name="灯片编号占位符 8">
             <a:extLst>
               <a:ext uri="{FF2B5EF4-FFF2-40B4-BE49-F238E27FC236}">
-                <a16:creationId xmlns:a16="http://schemas.microsoft.com/office/drawing/2014/main" id="{B0275B0C-CC08-AA47-7A6B-F94F656A0822}"/>
+                <a16:creationId xmlns:a16="http://schemas.microsoft.com/office/drawing/2014/main" id="{FB8FDC37-F6F8-F1CC-56C7-0C12F4DD0972}"/>
               </a:ext>
             </a:extLst>
           </p:cNvPr>
@@ -1862,7 +1862,7 @@
           <a:bodyPr/>
           <a:lstStyle/>
           <a:p>
-            <a:fld id="{2164C567-8CA4-4A56-89C6-A544C132E6E7}" type="slidenum">
+            <a:fld id="{36333A6B-28F9-4F86-9E00-0ECE5C0F1F7E}" type="slidenum">
               <a:rPr lang="zh-CN" altLang="en-US" smtClean="0"/>
               <a:t>‹#›</a:t>
             </a:fld>
@@ -1873,7 +1873,7 @@
     </p:spTree>
     <p:extLst>
       <p:ext uri="{BB962C8B-B14F-4D97-AF65-F5344CB8AC3E}">
-        <p14:creationId xmlns:p14="http://schemas.microsoft.com/office/powerpoint/2010/main" val="2722123189"/>
+        <p14:creationId xmlns:p14="http://schemas.microsoft.com/office/powerpoint/2010/main" val="3460629035"/>
       </p:ext>
     </p:extLst>
   </p:cSld>
@@ -1905,7 +1905,7 @@
           <p:cNvPr id="2" name="标题 1">
             <a:extLst>
               <a:ext uri="{FF2B5EF4-FFF2-40B4-BE49-F238E27FC236}">
-                <a16:creationId xmlns:a16="http://schemas.microsoft.com/office/drawing/2014/main" id="{14E3E37A-E4FC-8E57-213F-FA7C751C1213}"/>
+                <a16:creationId xmlns:a16="http://schemas.microsoft.com/office/drawing/2014/main" id="{488AB06F-D9B8-34D4-ACE1-8A2BA71202BB}"/>
               </a:ext>
             </a:extLst>
           </p:cNvPr>
@@ -1933,7 +1933,7 @@
           <p:cNvPr id="3" name="日期占位符 2">
             <a:extLst>
               <a:ext uri="{FF2B5EF4-FFF2-40B4-BE49-F238E27FC236}">
-                <a16:creationId xmlns:a16="http://schemas.microsoft.com/office/drawing/2014/main" id="{06376B73-611E-1059-B617-C24841192506}"/>
+                <a16:creationId xmlns:a16="http://schemas.microsoft.com/office/drawing/2014/main" id="{F974D613-0D6A-6D5A-1062-7E0021DE4A59}"/>
               </a:ext>
             </a:extLst>
           </p:cNvPr>
@@ -1949,7 +1949,7 @@
           <a:bodyPr/>
           <a:lstStyle/>
           <a:p>
-            <a:fld id="{40C6A560-E8F0-4C11-B34C-01E0B0175343}" type="datetimeFigureOut">
+            <a:fld id="{A276BD11-988D-4DD5-AFC0-2DAEDF7A6C1D}" type="datetimeFigureOut">
               <a:rPr lang="zh-CN" altLang="en-US" smtClean="0"/>
               <a:t>2024/3/10</a:t>
             </a:fld>
@@ -1962,7 +1962,7 @@
           <p:cNvPr id="4" name="页脚占位符 3">
             <a:extLst>
               <a:ext uri="{FF2B5EF4-FFF2-40B4-BE49-F238E27FC236}">
-                <a16:creationId xmlns:a16="http://schemas.microsoft.com/office/drawing/2014/main" id="{E68E068C-2B02-BBE4-CDE1-9A99C7EC78D5}"/>
+                <a16:creationId xmlns:a16="http://schemas.microsoft.com/office/drawing/2014/main" id="{FACA6F3A-7869-FF26-F241-C202C4DA3717}"/>
               </a:ext>
             </a:extLst>
           </p:cNvPr>
@@ -1987,7 +1987,7 @@
           <p:cNvPr id="5" name="灯片编号占位符 4">
             <a:extLst>
               <a:ext uri="{FF2B5EF4-FFF2-40B4-BE49-F238E27FC236}">
-                <a16:creationId xmlns:a16="http://schemas.microsoft.com/office/drawing/2014/main" id="{381FB828-F4EE-9BA4-AAC1-8D257B8D7D8A}"/>
+                <a16:creationId xmlns:a16="http://schemas.microsoft.com/office/drawing/2014/main" id="{32AA33E4-6F56-B396-06FF-085BD14D93C3}"/>
               </a:ext>
             </a:extLst>
           </p:cNvPr>
@@ -2003,7 +2003,7 @@
           <a:bodyPr/>
           <a:lstStyle/>
           <a:p>
-            <a:fld id="{2164C567-8CA4-4A56-89C6-A544C132E6E7}" type="slidenum">
+            <a:fld id="{36333A6B-28F9-4F86-9E00-0ECE5C0F1F7E}" type="slidenum">
               <a:rPr lang="zh-CN" altLang="en-US" smtClean="0"/>
               <a:t>‹#›</a:t>
             </a:fld>
@@ -2014,7 +2014,7 @@
     </p:spTree>
     <p:extLst>
       <p:ext uri="{BB962C8B-B14F-4D97-AF65-F5344CB8AC3E}">
-        <p14:creationId xmlns:p14="http://schemas.microsoft.com/office/powerpoint/2010/main" val="3693808753"/>
+        <p14:creationId xmlns:p14="http://schemas.microsoft.com/office/powerpoint/2010/main" val="557802303"/>
       </p:ext>
     </p:extLst>
   </p:cSld>
@@ -2046,7 +2046,7 @@
           <p:cNvPr id="2" name="日期占位符 1">
             <a:extLst>
               <a:ext uri="{FF2B5EF4-FFF2-40B4-BE49-F238E27FC236}">
-                <a16:creationId xmlns:a16="http://schemas.microsoft.com/office/drawing/2014/main" id="{471D85E3-1F31-45C5-8523-E8CF3A0D77FD}"/>
+                <a16:creationId xmlns:a16="http://schemas.microsoft.com/office/drawing/2014/main" id="{E55211A7-0985-1443-4B7E-B1CC91A04BC0}"/>
               </a:ext>
             </a:extLst>
           </p:cNvPr>
@@ -2062,7 +2062,7 @@
           <a:bodyPr/>
           <a:lstStyle/>
           <a:p>
-            <a:fld id="{40C6A560-E8F0-4C11-B34C-01E0B0175343}" type="datetimeFigureOut">
+            <a:fld id="{A276BD11-988D-4DD5-AFC0-2DAEDF7A6C1D}" type="datetimeFigureOut">
               <a:rPr lang="zh-CN" altLang="en-US" smtClean="0"/>
               <a:t>2024/3/10</a:t>
             </a:fld>
@@ -2075,7 +2075,7 @@
           <p:cNvPr id="3" name="页脚占位符 2">
             <a:extLst>
               <a:ext uri="{FF2B5EF4-FFF2-40B4-BE49-F238E27FC236}">
-                <a16:creationId xmlns:a16="http://schemas.microsoft.com/office/drawing/2014/main" id="{3740CED5-AB07-1328-C33F-582D5013E190}"/>
+                <a16:creationId xmlns:a16="http://schemas.microsoft.com/office/drawing/2014/main" id="{C5824967-66D7-B202-3245-F4AD4D1D8C97}"/>
               </a:ext>
             </a:extLst>
           </p:cNvPr>
@@ -2100,7 +2100,7 @@
           <p:cNvPr id="4" name="灯片编号占位符 3">
             <a:extLst>
               <a:ext uri="{FF2B5EF4-FFF2-40B4-BE49-F238E27FC236}">
-                <a16:creationId xmlns:a16="http://schemas.microsoft.com/office/drawing/2014/main" id="{9CAD4366-54C4-A178-9AC7-77D650097753}"/>
+                <a16:creationId xmlns:a16="http://schemas.microsoft.com/office/drawing/2014/main" id="{D29E39B4-2835-0381-6316-B161227DAA6E}"/>
               </a:ext>
             </a:extLst>
           </p:cNvPr>
@@ -2116,7 +2116,7 @@
           <a:bodyPr/>
           <a:lstStyle/>
           <a:p>
-            <a:fld id="{2164C567-8CA4-4A56-89C6-A544C132E6E7}" type="slidenum">
+            <a:fld id="{36333A6B-28F9-4F86-9E00-0ECE5C0F1F7E}" type="slidenum">
               <a:rPr lang="zh-CN" altLang="en-US" smtClean="0"/>
               <a:t>‹#›</a:t>
             </a:fld>
@@ -2127,7 +2127,7 @@
     </p:spTree>
     <p:extLst>
       <p:ext uri="{BB962C8B-B14F-4D97-AF65-F5344CB8AC3E}">
-        <p14:creationId xmlns:p14="http://schemas.microsoft.com/office/powerpoint/2010/main" val="2204867956"/>
+        <p14:creationId xmlns:p14="http://schemas.microsoft.com/office/powerpoint/2010/main" val="3750196020"/>
       </p:ext>
     </p:extLst>
   </p:cSld>
@@ -2159,7 +2159,7 @@
           <p:cNvPr id="2" name="标题 1">
             <a:extLst>
               <a:ext uri="{FF2B5EF4-FFF2-40B4-BE49-F238E27FC236}">
-                <a16:creationId xmlns:a16="http://schemas.microsoft.com/office/drawing/2014/main" id="{B2DE7B51-99D2-7EC6-EC6D-1CED5FEEF569}"/>
+                <a16:creationId xmlns:a16="http://schemas.microsoft.com/office/drawing/2014/main" id="{5DD51034-9A90-75E0-1983-D925B42C5895}"/>
               </a:ext>
             </a:extLst>
           </p:cNvPr>
@@ -2196,7 +2196,7 @@
           <p:cNvPr id="3" name="内容占位符 2">
             <a:extLst>
               <a:ext uri="{FF2B5EF4-FFF2-40B4-BE49-F238E27FC236}">
-                <a16:creationId xmlns:a16="http://schemas.microsoft.com/office/drawing/2014/main" id="{228F034C-32C8-0002-6E78-851D852660DE}"/>
+                <a16:creationId xmlns:a16="http://schemas.microsoft.com/office/drawing/2014/main" id="{98ECA5BF-DDB2-B6B2-031B-D29284C76CE1}"/>
               </a:ext>
             </a:extLst>
           </p:cNvPr>
@@ -2286,7 +2286,7 @@
           <p:cNvPr id="4" name="文本占位符 3">
             <a:extLst>
               <a:ext uri="{FF2B5EF4-FFF2-40B4-BE49-F238E27FC236}">
-                <a16:creationId xmlns:a16="http://schemas.microsoft.com/office/drawing/2014/main" id="{F9C50A3E-1A76-511C-490C-718FD4A23932}"/>
+                <a16:creationId xmlns:a16="http://schemas.microsoft.com/office/drawing/2014/main" id="{CE076702-D840-58EF-5E38-AA0587F5E3CC}"/>
               </a:ext>
             </a:extLst>
           </p:cNvPr>
@@ -2357,7 +2357,7 @@
           <p:cNvPr id="5" name="日期占位符 4">
             <a:extLst>
               <a:ext uri="{FF2B5EF4-FFF2-40B4-BE49-F238E27FC236}">
-                <a16:creationId xmlns:a16="http://schemas.microsoft.com/office/drawing/2014/main" id="{41AD9D0B-D6CB-DBC1-5BA7-9AC63863FF00}"/>
+                <a16:creationId xmlns:a16="http://schemas.microsoft.com/office/drawing/2014/main" id="{6C8CC396-4063-7587-D6C3-4D6E83BD223A}"/>
               </a:ext>
             </a:extLst>
           </p:cNvPr>
@@ -2373,7 +2373,7 @@
           <a:bodyPr/>
           <a:lstStyle/>
           <a:p>
-            <a:fld id="{40C6A560-E8F0-4C11-B34C-01E0B0175343}" type="datetimeFigureOut">
+            <a:fld id="{A276BD11-988D-4DD5-AFC0-2DAEDF7A6C1D}" type="datetimeFigureOut">
               <a:rPr lang="zh-CN" altLang="en-US" smtClean="0"/>
               <a:t>2024/3/10</a:t>
             </a:fld>
@@ -2386,7 +2386,7 @@
           <p:cNvPr id="6" name="页脚占位符 5">
             <a:extLst>
               <a:ext uri="{FF2B5EF4-FFF2-40B4-BE49-F238E27FC236}">
-                <a16:creationId xmlns:a16="http://schemas.microsoft.com/office/drawing/2014/main" id="{DAA74750-8FBF-C0E2-5349-671CAFDD450D}"/>
+                <a16:creationId xmlns:a16="http://schemas.microsoft.com/office/drawing/2014/main" id="{8F88C96D-573A-C2DD-470E-5478B347AF1E}"/>
               </a:ext>
             </a:extLst>
           </p:cNvPr>
@@ -2411,7 +2411,7 @@
           <p:cNvPr id="7" name="灯片编号占位符 6">
             <a:extLst>
               <a:ext uri="{FF2B5EF4-FFF2-40B4-BE49-F238E27FC236}">
-                <a16:creationId xmlns:a16="http://schemas.microsoft.com/office/drawing/2014/main" id="{CB33F704-8473-0389-FA85-27CA06BE2014}"/>
+                <a16:creationId xmlns:a16="http://schemas.microsoft.com/office/drawing/2014/main" id="{EF87F6B0-ED28-4E67-4245-6085A385F9B0}"/>
               </a:ext>
             </a:extLst>
           </p:cNvPr>
@@ -2427,7 +2427,7 @@
           <a:bodyPr/>
           <a:lstStyle/>
           <a:p>
-            <a:fld id="{2164C567-8CA4-4A56-89C6-A544C132E6E7}" type="slidenum">
+            <a:fld id="{36333A6B-28F9-4F86-9E00-0ECE5C0F1F7E}" type="slidenum">
               <a:rPr lang="zh-CN" altLang="en-US" smtClean="0"/>
               <a:t>‹#›</a:t>
             </a:fld>
@@ -2438,7 +2438,7 @@
     </p:spTree>
     <p:extLst>
       <p:ext uri="{BB962C8B-B14F-4D97-AF65-F5344CB8AC3E}">
-        <p14:creationId xmlns:p14="http://schemas.microsoft.com/office/powerpoint/2010/main" val="1986867251"/>
+        <p14:creationId xmlns:p14="http://schemas.microsoft.com/office/powerpoint/2010/main" val="4214878366"/>
       </p:ext>
     </p:extLst>
   </p:cSld>
@@ -2470,7 +2470,7 @@
           <p:cNvPr id="2" name="标题 1">
             <a:extLst>
               <a:ext uri="{FF2B5EF4-FFF2-40B4-BE49-F238E27FC236}">
-                <a16:creationId xmlns:a16="http://schemas.microsoft.com/office/drawing/2014/main" id="{F61B8D23-70D1-C2AC-A41A-0F4E66BE76EE}"/>
+                <a16:creationId xmlns:a16="http://schemas.microsoft.com/office/drawing/2014/main" id="{5081C4D7-3AAC-CF59-A425-0C4BB742CEB8}"/>
               </a:ext>
             </a:extLst>
           </p:cNvPr>
@@ -2507,7 +2507,7 @@
           <p:cNvPr id="3" name="图片占位符 2">
             <a:extLst>
               <a:ext uri="{FF2B5EF4-FFF2-40B4-BE49-F238E27FC236}">
-                <a16:creationId xmlns:a16="http://schemas.microsoft.com/office/drawing/2014/main" id="{53B2F7AD-DB5C-C8C7-18CA-D42F8A0CB06C}"/>
+                <a16:creationId xmlns:a16="http://schemas.microsoft.com/office/drawing/2014/main" id="{277DE3AD-0E47-12DC-CDDB-737D6C16A838}"/>
               </a:ext>
             </a:extLst>
           </p:cNvPr>
@@ -2574,7 +2574,7 @@
           <p:cNvPr id="4" name="文本占位符 3">
             <a:extLst>
               <a:ext uri="{FF2B5EF4-FFF2-40B4-BE49-F238E27FC236}">
-                <a16:creationId xmlns:a16="http://schemas.microsoft.com/office/drawing/2014/main" id="{5385482A-9108-6F41-3FCF-F14DF765A00B}"/>
+                <a16:creationId xmlns:a16="http://schemas.microsoft.com/office/drawing/2014/main" id="{6041D8EB-3EC4-1F26-BD47-DBDF660B121A}"/>
               </a:ext>
             </a:extLst>
           </p:cNvPr>
@@ -2645,7 +2645,7 @@
           <p:cNvPr id="5" name="日期占位符 4">
             <a:extLst>
               <a:ext uri="{FF2B5EF4-FFF2-40B4-BE49-F238E27FC236}">
-                <a16:creationId xmlns:a16="http://schemas.microsoft.com/office/drawing/2014/main" id="{3671AF3A-DE8A-1177-1008-4EE460FC575A}"/>
+                <a16:creationId xmlns:a16="http://schemas.microsoft.com/office/drawing/2014/main" id="{C6746BA3-F7FD-8B0C-CF3A-8CB9BACCE31B}"/>
               </a:ext>
             </a:extLst>
           </p:cNvPr>
@@ -2661,7 +2661,7 @@
           <a:bodyPr/>
           <a:lstStyle/>
           <a:p>
-            <a:fld id="{40C6A560-E8F0-4C11-B34C-01E0B0175343}" type="datetimeFigureOut">
+            <a:fld id="{A276BD11-988D-4DD5-AFC0-2DAEDF7A6C1D}" type="datetimeFigureOut">
               <a:rPr lang="zh-CN" altLang="en-US" smtClean="0"/>
               <a:t>2024/3/10</a:t>
             </a:fld>
@@ -2674,7 +2674,7 @@
           <p:cNvPr id="6" name="页脚占位符 5">
             <a:extLst>
               <a:ext uri="{FF2B5EF4-FFF2-40B4-BE49-F238E27FC236}">
-                <a16:creationId xmlns:a16="http://schemas.microsoft.com/office/drawing/2014/main" id="{492ABFC4-CBDA-095B-6B78-959CF72DB20D}"/>
+                <a16:creationId xmlns:a16="http://schemas.microsoft.com/office/drawing/2014/main" id="{23F3B5FD-CD90-A808-DD6A-73695BB5371F}"/>
               </a:ext>
             </a:extLst>
           </p:cNvPr>
@@ -2699,7 +2699,7 @@
           <p:cNvPr id="7" name="灯片编号占位符 6">
             <a:extLst>
               <a:ext uri="{FF2B5EF4-FFF2-40B4-BE49-F238E27FC236}">
-                <a16:creationId xmlns:a16="http://schemas.microsoft.com/office/drawing/2014/main" id="{8CCCBD70-5096-5C70-1FFE-4DE4026F6201}"/>
+                <a16:creationId xmlns:a16="http://schemas.microsoft.com/office/drawing/2014/main" id="{F9865851-4407-2A15-1C65-C49F0DE63E5F}"/>
               </a:ext>
             </a:extLst>
           </p:cNvPr>
@@ -2715,7 +2715,7 @@
           <a:bodyPr/>
           <a:lstStyle/>
           <a:p>
-            <a:fld id="{2164C567-8CA4-4A56-89C6-A544C132E6E7}" type="slidenum">
+            <a:fld id="{36333A6B-28F9-4F86-9E00-0ECE5C0F1F7E}" type="slidenum">
               <a:rPr lang="zh-CN" altLang="en-US" smtClean="0"/>
               <a:t>‹#›</a:t>
             </a:fld>
@@ -2726,7 +2726,7 @@
     </p:spTree>
     <p:extLst>
       <p:ext uri="{BB962C8B-B14F-4D97-AF65-F5344CB8AC3E}">
-        <p14:creationId xmlns:p14="http://schemas.microsoft.com/office/powerpoint/2010/main" val="1374104544"/>
+        <p14:creationId xmlns:p14="http://schemas.microsoft.com/office/powerpoint/2010/main" val="2772547943"/>
       </p:ext>
     </p:extLst>
   </p:cSld>
@@ -2763,7 +2763,7 @@
           <p:cNvPr id="2" name="标题占位符 1">
             <a:extLst>
               <a:ext uri="{FF2B5EF4-FFF2-40B4-BE49-F238E27FC236}">
-                <a16:creationId xmlns:a16="http://schemas.microsoft.com/office/drawing/2014/main" id="{A010CB37-304A-FC2D-70B0-A99EA3C21F7B}"/>
+                <a16:creationId xmlns:a16="http://schemas.microsoft.com/office/drawing/2014/main" id="{6E173EF3-D1F2-61D3-2020-6026750C5B42}"/>
               </a:ext>
             </a:extLst>
           </p:cNvPr>
@@ -2801,7 +2801,7 @@
           <p:cNvPr id="3" name="文本占位符 2">
             <a:extLst>
               <a:ext uri="{FF2B5EF4-FFF2-40B4-BE49-F238E27FC236}">
-                <a16:creationId xmlns:a16="http://schemas.microsoft.com/office/drawing/2014/main" id="{4004ECCE-3DA6-C46C-7316-10D89413C8F9}"/>
+                <a16:creationId xmlns:a16="http://schemas.microsoft.com/office/drawing/2014/main" id="{8B11693B-A1B8-F1B2-F5E2-97EE4E9E3D44}"/>
               </a:ext>
             </a:extLst>
           </p:cNvPr>
@@ -2868,7 +2868,7 @@
           <p:cNvPr id="4" name="日期占位符 3">
             <a:extLst>
               <a:ext uri="{FF2B5EF4-FFF2-40B4-BE49-F238E27FC236}">
-                <a16:creationId xmlns:a16="http://schemas.microsoft.com/office/drawing/2014/main" id="{59C83DF5-9D1E-143C-EC0D-2529E7BDF05C}"/>
+                <a16:creationId xmlns:a16="http://schemas.microsoft.com/office/drawing/2014/main" id="{CF28E12E-3C9B-EACD-AE0C-E43083B0B744}"/>
               </a:ext>
             </a:extLst>
           </p:cNvPr>
@@ -2902,7 +2902,7 @@
             </a:lvl1pPr>
           </a:lstStyle>
           <a:p>
-            <a:fld id="{40C6A560-E8F0-4C11-B34C-01E0B0175343}" type="datetimeFigureOut">
+            <a:fld id="{A276BD11-988D-4DD5-AFC0-2DAEDF7A6C1D}" type="datetimeFigureOut">
               <a:rPr lang="zh-CN" altLang="en-US" smtClean="0"/>
               <a:t>2024/3/10</a:t>
             </a:fld>
@@ -2915,7 +2915,7 @@
           <p:cNvPr id="5" name="页脚占位符 4">
             <a:extLst>
               <a:ext uri="{FF2B5EF4-FFF2-40B4-BE49-F238E27FC236}">
-                <a16:creationId xmlns:a16="http://schemas.microsoft.com/office/drawing/2014/main" id="{576417A0-BAB8-4B91-E781-506E83755E0C}"/>
+                <a16:creationId xmlns:a16="http://schemas.microsoft.com/office/drawing/2014/main" id="{D517E219-D62A-6823-1B1D-E06C300C2267}"/>
               </a:ext>
             </a:extLst>
           </p:cNvPr>
@@ -2958,7 +2958,7 @@
           <p:cNvPr id="6" name="灯片编号占位符 5">
             <a:extLst>
               <a:ext uri="{FF2B5EF4-FFF2-40B4-BE49-F238E27FC236}">
-                <a16:creationId xmlns:a16="http://schemas.microsoft.com/office/drawing/2014/main" id="{CD8F609D-D874-E510-EDDF-7D7AD27D34A0}"/>
+                <a16:creationId xmlns:a16="http://schemas.microsoft.com/office/drawing/2014/main" id="{E2F95C9F-DA12-2526-CB04-4CF15C676C0E}"/>
               </a:ext>
             </a:extLst>
           </p:cNvPr>
@@ -2992,7 +2992,7 @@
             </a:lvl1pPr>
           </a:lstStyle>
           <a:p>
-            <a:fld id="{2164C567-8CA4-4A56-89C6-A544C132E6E7}" type="slidenum">
+            <a:fld id="{36333A6B-28F9-4F86-9E00-0ECE5C0F1F7E}" type="slidenum">
               <a:rPr lang="zh-CN" altLang="en-US" smtClean="0"/>
               <a:t>‹#›</a:t>
             </a:fld>
@@ -3003,7 +3003,7 @@
     </p:spTree>
     <p:extLst>
       <p:ext uri="{BB962C8B-B14F-4D97-AF65-F5344CB8AC3E}">
-        <p14:creationId xmlns:p14="http://schemas.microsoft.com/office/powerpoint/2010/main" val="2320564888"/>
+        <p14:creationId xmlns:p14="http://schemas.microsoft.com/office/powerpoint/2010/main" val="3976069688"/>
       </p:ext>
     </p:extLst>
   </p:cSld>
